--- a/Avance de proyecto/Acta de Proyecto Equipo.pptx
+++ b/Avance de proyecto/Acta de Proyecto Equipo.pptx
@@ -6,16 +6,7 @@
   </p:sldMasterIdLst>
   <p:sldIdLst>
     <p:sldId id="256" r:id="rId5"/>
-    <p:sldId id="259" r:id="rId6"/>
-    <p:sldId id="257" r:id="rId7"/>
-    <p:sldId id="258" r:id="rId8"/>
-    <p:sldId id="261" r:id="rId9"/>
-    <p:sldId id="262" r:id="rId10"/>
-    <p:sldId id="263" r:id="rId11"/>
-    <p:sldId id="260" r:id="rId12"/>
-    <p:sldId id="264" r:id="rId13"/>
-    <p:sldId id="266" r:id="rId14"/>
-    <p:sldId id="265" r:id="rId15"/>
+    <p:sldId id="265" r:id="rId6"/>
   </p:sldIdLst>
   <p:sldSz cx="9144000" cy="6858000" type="screen4x3"/>
   <p:notesSz cx="6858000" cy="9144000"/>
@@ -4773,188 +4764,7 @@
 </p:sld>
 </file>
 
-<file path=ppt/slides/slide10.xml><?xml version="1.0" encoding="utf-8"?>
-<p:sld xmlns:a="http://schemas.openxmlformats.org/drawingml/2006/main" xmlns:r="http://schemas.openxmlformats.org/officeDocument/2006/relationships" xmlns:p="http://schemas.openxmlformats.org/presentationml/2006/main">
-  <p:cSld>
-    <p:spTree>
-      <p:nvGrpSpPr>
-        <p:cNvPr id="1" name="">
-          <a:extLst>
-            <a:ext uri="{FF2B5EF4-FFF2-40B4-BE49-F238E27FC236}">
-              <a16:creationId xmlns:a16="http://schemas.microsoft.com/office/drawing/2014/main" id="{525B41AC-0126-FD6B-7B64-ED3D8885B034}"/>
-            </a:ext>
-          </a:extLst>
-        </p:cNvPr>
-        <p:cNvGrpSpPr/>
-        <p:nvPr/>
-      </p:nvGrpSpPr>
-      <p:grpSpPr>
-        <a:xfrm>
-          <a:off x="0" y="0"/>
-          <a:ext cx="0" cy="0"/>
-          <a:chOff x="0" y="0"/>
-          <a:chExt cx="0" cy="0"/>
-        </a:xfrm>
-      </p:grpSpPr>
-      <p:sp>
-        <p:nvSpPr>
-          <p:cNvPr id="14" name="2 Marcador de contenido">
-            <a:extLst>
-              <a:ext uri="{FF2B5EF4-FFF2-40B4-BE49-F238E27FC236}">
-                <a16:creationId xmlns:a16="http://schemas.microsoft.com/office/drawing/2014/main" id="{A7318C2F-C88A-813C-4CFD-1794736EA3AF}"/>
-              </a:ext>
-            </a:extLst>
-          </p:cNvPr>
-          <p:cNvSpPr>
-            <a:spLocks noGrp="1"/>
-          </p:cNvSpPr>
-          <p:nvPr>
-            <p:ph sz="half" idx="1"/>
-          </p:nvPr>
-        </p:nvSpPr>
-        <p:spPr>
-          <a:xfrm>
-            <a:off x="323528" y="1700808"/>
-            <a:ext cx="8606160" cy="4871442"/>
-          </a:xfrm>
-          <a:ln w="31750">
-            <a:solidFill>
-              <a:schemeClr val="accent1"/>
-            </a:solidFill>
-          </a:ln>
-        </p:spPr>
-        <p:txBody>
-          <a:bodyPr rtlCol="0">
-            <a:noAutofit/>
-          </a:bodyPr>
-          <a:lstStyle/>
-          <a:p>
-            <a:pPr marL="85725" indent="0" algn="ctr" fontAlgn="auto">
-              <a:spcAft>
-                <a:spcPts val="0"/>
-              </a:spcAft>
-              <a:buFont typeface="Arial" panose="020B0604020202020204" pitchFamily="34" charset="0"/>
-              <a:buNone/>
-              <a:defRPr/>
-            </a:pPr>
-            <a:r>
-              <a:rPr lang="es-VE" sz="1800" b="1"/>
-              <a:t>Lista de Hitos</a:t>
-            </a:r>
-          </a:p>
-          <a:p>
-            <a:r>
-              <a:rPr lang="es-MX" sz="1800" b="1"/>
-              <a:t>10/08/2025:</a:t>
-            </a:r>
-            <a:r>
-              <a:rPr lang="es-MX" sz="1800"/>
-              <a:t> Inicio del programa de integración.</a:t>
-            </a:r>
-          </a:p>
-          <a:p>
-            <a:r>
-              <a:rPr lang="es-MX" sz="1800" b="1"/>
-              <a:t>15/09/2025:</a:t>
-            </a:r>
-            <a:r>
-              <a:rPr lang="es-MX" sz="1800"/>
-              <a:t> Realización de dinámicas de presentación y entrevistas.</a:t>
-            </a:r>
-          </a:p>
-          <a:p>
-            <a:r>
-              <a:rPr lang="es-MX" sz="1800" b="1"/>
-              <a:t>30/09/2025:</a:t>
-            </a:r>
-            <a:r>
-              <a:rPr lang="es-MX" sz="1800"/>
-              <a:t> Juego “Adivina Quién” y evaluación intermedia.</a:t>
-            </a:r>
-          </a:p>
-          <a:p>
-            <a:r>
-              <a:rPr lang="es-MX" sz="1800" b="1"/>
-              <a:t>15/10/2025:</a:t>
-            </a:r>
-            <a:r>
-              <a:rPr lang="es-MX" sz="1800"/>
-              <a:t> Presentación de resultados y cierre de actividades.</a:t>
-            </a:r>
-          </a:p>
-          <a:p>
-            <a:pPr marL="85725" indent="0" fontAlgn="auto">
-              <a:spcAft>
-                <a:spcPts val="0"/>
-              </a:spcAft>
-              <a:buFont typeface="Arial" panose="020B0604020202020204" pitchFamily="34" charset="0"/>
-              <a:buNone/>
-              <a:defRPr/>
-            </a:pPr>
-            <a:endParaRPr lang="es-VE" sz="1800"/>
-          </a:p>
-        </p:txBody>
-      </p:sp>
-      <p:sp>
-        <p:nvSpPr>
-          <p:cNvPr id="18" name="1 Título">
-            <a:extLst>
-              <a:ext uri="{FF2B5EF4-FFF2-40B4-BE49-F238E27FC236}">
-                <a16:creationId xmlns:a16="http://schemas.microsoft.com/office/drawing/2014/main" id="{68A30705-5782-F901-29CC-8B08D1862861}"/>
-              </a:ext>
-            </a:extLst>
-          </p:cNvPr>
-          <p:cNvSpPr txBox="1">
-            <a:spLocks/>
-          </p:cNvSpPr>
-          <p:nvPr/>
-        </p:nvSpPr>
-        <p:spPr>
-          <a:xfrm>
-            <a:off x="685800" y="1214438"/>
-            <a:ext cx="7772400" cy="357187"/>
-          </a:xfrm>
-          <a:prstGeom prst="rect">
-            <a:avLst/>
-          </a:prstGeom>
-        </p:spPr>
-        <p:txBody>
-          <a:bodyPr anchor="ctr">
-            <a:normAutofit fontScale="92500" lnSpcReduction="10000"/>
-          </a:bodyPr>
-          <a:lstStyle/>
-          <a:p>
-            <a:pPr algn="ctr" fontAlgn="auto">
-              <a:spcAft>
-                <a:spcPts val="0"/>
-              </a:spcAft>
-              <a:defRPr/>
-            </a:pPr>
-            <a:r>
-              <a:rPr lang="es-VE" sz="2000" b="1">
-                <a:latin typeface="+mj-lt"/>
-                <a:ea typeface="+mj-ea"/>
-                <a:cs typeface="+mj-cs"/>
-              </a:rPr>
-              <a:t>[Integración Escolar]</a:t>
-            </a:r>
-          </a:p>
-        </p:txBody>
-      </p:sp>
-    </p:spTree>
-    <p:extLst>
-      <p:ext uri="{BB962C8B-B14F-4D97-AF65-F5344CB8AC3E}">
-        <p14:creationId xmlns:p14="http://schemas.microsoft.com/office/powerpoint/2010/main" val="1497340022"/>
-      </p:ext>
-    </p:extLst>
-  </p:cSld>
-  <p:clrMapOvr>
-    <a:masterClrMapping/>
-  </p:clrMapOvr>
-</p:sld>
-</file>
-
-<file path=ppt/slides/slide11.xml><?xml version="1.0" encoding="utf-8"?>
+<file path=ppt/slides/slide2.xml><?xml version="1.0" encoding="utf-8"?>
 <p:sld xmlns:a="http://schemas.openxmlformats.org/drawingml/2006/main" xmlns:r="http://schemas.openxmlformats.org/officeDocument/2006/relationships" xmlns:p="http://schemas.openxmlformats.org/presentationml/2006/main">
   <p:cSld>
     <p:spTree>
@@ -5016,20 +4826,20 @@
               <a:buNone/>
             </a:pPr>
             <a:r>
-              <a:rPr lang="es-VE" altLang="en-US" sz="1800" b="1"/>
+              <a:rPr lang="es-VE" altLang="en-US" sz="1800" b="1" dirty="0"/>
               <a:t>Justificación y Descripción del Proyecto</a:t>
             </a:r>
-            <a:endParaRPr lang="es-VE" altLang="en-US" sz="1800"/>
+            <a:endParaRPr lang="es-VE" altLang="en-US" sz="1800" dirty="0"/>
           </a:p>
           <a:p>
             <a:pPr marL="85725" indent="0">
-              <a:buFont typeface="Arial" panose="020B0604020202020204" pitchFamily="34" charset="0"/>
-              <a:buNone/>
-            </a:pPr>
-            <a:r>
-              <a:rPr lang="es-VE" altLang="en-US" sz="1800"/>
-              <a:t>[Justificación del proyecto desde el punto de vista de negocio y Descripción del Proyecto].</a:t>
-            </a:r>
+              <a:buNone/>
+            </a:pPr>
+            <a:r>
+              <a:rPr lang="es-MX" sz="1200" dirty="0"/>
+              <a:t>Los estudiantes de nuevo ingreso enfrentan dificultades para socializar, lo que genera timidez, desconocimiento y fragmentación del entorno escolar. Esto afecta negativamente la colaboración, el sentido de pertenencia y la retención escolar El proyecto busca promover la integración de los estudiantes de nuevo ingreso mediante la aplicación de actividades colaborativas y recreativas diseñadas para favorecer la interacción social. </a:t>
+            </a:r>
+            <a:endParaRPr lang="es-VE" altLang="en-US" sz="1200" dirty="0"/>
           </a:p>
         </p:txBody>
       </p:sp>
@@ -5072,7 +4882,7 @@
               <a:buNone/>
             </a:pPr>
             <a:r>
-              <a:rPr lang="es-VE" altLang="en-US" sz="1800" b="1"/>
+              <a:rPr lang="es-VE" altLang="en-US" sz="1400" b="1" dirty="0"/>
               <a:t>Objetivos</a:t>
             </a:r>
           </a:p>
@@ -5082,64 +4892,81 @@
               <a:buNone/>
             </a:pPr>
             <a:r>
-              <a:rPr lang="es-VE" altLang="en-US" sz="1800" b="1"/>
+              <a:rPr lang="es-VE" altLang="en-US" sz="1200" b="1" dirty="0"/>
               <a:t>Alcance: </a:t>
             </a:r>
             <a:r>
-              <a:rPr lang="es-VE" altLang="en-US" sz="1800"/>
-              <a:t>[Objetivos de alcance y Requerimientos]</a:t>
-            </a:r>
-            <a:endParaRPr lang="es-VE" altLang="en-US" sz="1800" b="1"/>
+              <a:rPr lang="es-MX" altLang="en-US" sz="1200" dirty="0"/>
+              <a:t>Incluir a los estudiantes de nuevo ingreso en actividades que fortalezcan su integración dentro y fuera del aula. Mejorar la comunicación, el trabajo en equipo y el sentido de pertenencia institucional.</a:t>
+            </a:r>
+          </a:p>
+          <a:p>
+            <a:pPr marL="85725" indent="0">
+              <a:buNone/>
+            </a:pPr>
+            <a:r>
+              <a:rPr lang="es-VE" altLang="en-US" sz="1200" b="1" dirty="0"/>
+              <a:t>Tiempo: </a:t>
+            </a:r>
+            <a:r>
+              <a:rPr lang="es-MX" altLang="en-US" sz="1200" dirty="0"/>
+              <a:t>Fecha de inicio:  05/08/2025</a:t>
+            </a:r>
+          </a:p>
+          <a:p>
+            <a:pPr marL="371475" indent="-285750"/>
+            <a:r>
+              <a:rPr lang="es-MX" altLang="en-US" sz="1200" dirty="0"/>
+              <a:t>Fecha de finalización: 17/12/2025</a:t>
+            </a:r>
+          </a:p>
+          <a:p>
+            <a:pPr marL="371475" indent="-285750"/>
+            <a:r>
+              <a:rPr lang="es-MX" altLang="en-US" sz="1200" dirty="0"/>
+              <a:t>Duración estimada: 19 semanas, distribuidas en actividades semanales de integración y cierre.</a:t>
+            </a:r>
+          </a:p>
+          <a:p>
+            <a:pPr marL="85725" indent="0">
+              <a:buNone/>
+            </a:pPr>
+            <a:r>
+              <a:rPr lang="es-VE" altLang="en-US" sz="1200" b="1" dirty="0"/>
+              <a:t>Costo: </a:t>
+            </a:r>
+            <a:r>
+              <a:rPr lang="es-MX" altLang="en-US" sz="1200" dirty="0"/>
+              <a:t>Presupuesto para materiales didácticos.</a:t>
+            </a:r>
+          </a:p>
+          <a:p>
+            <a:pPr marL="85725" indent="0">
+              <a:buNone/>
+            </a:pPr>
+            <a:r>
+              <a:rPr lang="es-VE" altLang="en-US" sz="1200" b="1" dirty="0"/>
+              <a:t>Calidad: </a:t>
+            </a:r>
+            <a:r>
+              <a:rPr lang="es-MX" sz="1200" dirty="0"/>
+              <a:t>Todas las actividades deben ser inclusivas y accesibles para la totalidad de </a:t>
+            </a:r>
+            <a:r>
+              <a:rPr lang="es-MX" sz="1200" dirty="0" err="1"/>
+              <a:t>estudiantes.Diseño</a:t>
+            </a:r>
+            <a:r>
+              <a:rPr lang="es-MX" sz="1200" dirty="0"/>
+              <a:t> de dinámicas con objetivos claros y medibles.</a:t>
+            </a:r>
           </a:p>
           <a:p>
             <a:pPr marL="85725" indent="0">
               <a:buFont typeface="Arial" panose="020B0604020202020204" pitchFamily="34" charset="0"/>
               <a:buNone/>
             </a:pPr>
-            <a:r>
-              <a:rPr lang="es-VE" altLang="en-US" sz="1800" b="1"/>
-              <a:t>Tiempo: </a:t>
-            </a:r>
-            <a:r>
-              <a:rPr lang="es-VE" altLang="en-US" sz="1800"/>
-              <a:t>[Fecha demandada para su finalización]</a:t>
-            </a:r>
-          </a:p>
-          <a:p>
-            <a:pPr marL="85725" indent="0">
-              <a:buFont typeface="Arial" panose="020B0604020202020204" pitchFamily="34" charset="0"/>
-              <a:buNone/>
-            </a:pPr>
-            <a:r>
-              <a:rPr lang="es-VE" altLang="en-US" sz="1800" b="1"/>
-              <a:t>Costo: </a:t>
-            </a:r>
-            <a:r>
-              <a:rPr lang="es-VE" altLang="en-US" sz="1800"/>
-              <a:t>[Restricción / Tope de Presupuesto.</a:t>
-            </a:r>
-          </a:p>
-          <a:p>
-            <a:pPr marL="85725" indent="0">
-              <a:buFont typeface="Arial" panose="020B0604020202020204" pitchFamily="34" charset="0"/>
-              <a:buNone/>
-            </a:pPr>
-            <a:r>
-              <a:rPr lang="es-VE" altLang="en-US" sz="1800" b="1"/>
-              <a:t>Calidad: </a:t>
-            </a:r>
-            <a:r>
-              <a:rPr lang="es-VE" altLang="en-US" sz="1800"/>
-              <a:t>Especificaciones o Restricciones técnicas de calidad.</a:t>
-            </a:r>
-            <a:endParaRPr lang="es-VE" altLang="en-US" sz="1800" b="1"/>
-          </a:p>
-          <a:p>
-            <a:pPr marL="85725" indent="0">
-              <a:buFont typeface="Arial" panose="020B0604020202020204" pitchFamily="34" charset="0"/>
-              <a:buNone/>
-            </a:pPr>
-            <a:endParaRPr lang="es-VE" altLang="en-US" sz="1800"/>
+            <a:endParaRPr lang="es-VE" altLang="en-US" sz="1800" dirty="0"/>
           </a:p>
         </p:txBody>
       </p:sp>
@@ -5185,120 +5012,48 @@
               <a:defRPr/>
             </a:pPr>
             <a:r>
-              <a:rPr lang="es-VE" sz="1800" b="1"/>
+              <a:rPr lang="es-VE" sz="1800" b="1" dirty="0"/>
               <a:t>Lista de Hitos</a:t>
             </a:r>
           </a:p>
           <a:p>
-            <a:pPr marL="276225" indent="-190500" fontAlgn="auto">
-              <a:spcAft>
-                <a:spcPts val="0"/>
-              </a:spcAft>
-              <a:defRPr/>
-            </a:pPr>
-            <a:r>
-              <a:rPr lang="es-VE" sz="1800"/>
-              <a:t>[</a:t>
-            </a:r>
-            <a:r>
-              <a:rPr lang="es-VE" sz="1800" err="1"/>
-              <a:t>dd</a:t>
-            </a:r>
-            <a:r>
-              <a:rPr lang="es-VE" sz="1800"/>
-              <a:t>/mm/</a:t>
-            </a:r>
-            <a:r>
-              <a:rPr lang="es-VE" sz="1800" b="1"/>
-              <a:t>: </a:t>
-            </a:r>
-            <a:r>
-              <a:rPr lang="es-VE" sz="1800"/>
-              <a:t>[Hito 1].</a:t>
-            </a:r>
-          </a:p>
-          <a:p>
-            <a:pPr marL="276225" indent="-190500" fontAlgn="auto">
-              <a:spcAft>
-                <a:spcPts val="0"/>
-              </a:spcAft>
-              <a:defRPr/>
-            </a:pPr>
-            <a:r>
-              <a:rPr lang="es-VE" sz="1800"/>
-              <a:t>[</a:t>
-            </a:r>
-            <a:r>
-              <a:rPr lang="es-VE" sz="1800" err="1"/>
-              <a:t>dd</a:t>
-            </a:r>
-            <a:r>
-              <a:rPr lang="es-VE" sz="1800"/>
-              <a:t>/mm/</a:t>
-            </a:r>
-            <a:r>
-              <a:rPr lang="es-VE" sz="1800" b="1"/>
-              <a:t>: </a:t>
-            </a:r>
-            <a:r>
-              <a:rPr lang="es-VE" sz="1800"/>
-              <a:t>[Hito 2].</a:t>
-            </a:r>
-          </a:p>
-          <a:p>
-            <a:pPr marL="276225" indent="-190500" fontAlgn="auto">
-              <a:spcAft>
-                <a:spcPts val="0"/>
-              </a:spcAft>
-              <a:defRPr/>
-            </a:pPr>
-            <a:r>
-              <a:rPr lang="es-VE" sz="1800"/>
-              <a:t>[</a:t>
-            </a:r>
-            <a:r>
-              <a:rPr lang="es-VE" sz="1800" err="1"/>
-              <a:t>dd</a:t>
-            </a:r>
-            <a:r>
-              <a:rPr lang="es-VE" sz="1800"/>
-              <a:t>/mm/</a:t>
-            </a:r>
-            <a:r>
-              <a:rPr lang="es-VE" sz="1800" b="1"/>
-              <a:t>: </a:t>
-            </a:r>
-            <a:r>
-              <a:rPr lang="es-VE" sz="1800"/>
-              <a:t>[Hito 3].</a:t>
-            </a:r>
-          </a:p>
-          <a:p>
-            <a:pPr marL="276225" indent="-190500" fontAlgn="auto">
-              <a:spcAft>
-                <a:spcPts val="0"/>
-              </a:spcAft>
-              <a:defRPr/>
-            </a:pPr>
-            <a:r>
-              <a:rPr lang="es-VE" sz="1800"/>
-              <a:t>[</a:t>
-            </a:r>
-            <a:r>
-              <a:rPr lang="es-VE" sz="1800" err="1"/>
-              <a:t>dd</a:t>
-            </a:r>
-            <a:r>
-              <a:rPr lang="es-VE" sz="1800"/>
-              <a:t>/mm/</a:t>
-            </a:r>
-            <a:r>
-              <a:rPr lang="es-VE" sz="1800" b="1"/>
-              <a:t>: </a:t>
-            </a:r>
-            <a:r>
-              <a:rPr lang="es-VE" sz="1800"/>
-              <a:t>[Hito 4].</a:t>
+            <a:r>
+              <a:rPr lang="es-MX" sz="1200" b="1" dirty="0"/>
+              <a:t>10/08/2025:</a:t>
+            </a:r>
+            <a:r>
+              <a:rPr lang="es-MX" sz="1200" dirty="0"/>
+              <a:t> Inicio del programa de integración.</a:t>
+            </a:r>
+          </a:p>
+          <a:p>
+            <a:r>
+              <a:rPr lang="es-MX" sz="1200" b="1" dirty="0"/>
+              <a:t>15/09/2025:</a:t>
+            </a:r>
+            <a:r>
+              <a:rPr lang="es-MX" sz="1200" dirty="0"/>
+              <a:t> Realización de dinámicas de presentación y entrevistas.</a:t>
+            </a:r>
+          </a:p>
+          <a:p>
+            <a:r>
+              <a:rPr lang="es-MX" sz="1200" b="1" dirty="0"/>
+              <a:t>30/09/2025:</a:t>
+            </a:r>
+            <a:r>
+              <a:rPr lang="es-MX" sz="1200" dirty="0"/>
+              <a:t> Juego “Adivina Quién” y evaluación intermedia.</a:t>
+            </a:r>
+          </a:p>
+          <a:p>
+            <a:r>
+              <a:rPr lang="es-MX" sz="1200" b="1" dirty="0"/>
+              <a:t>15/10/2025:</a:t>
+            </a:r>
+            <a:r>
+              <a:rPr lang="es-MX" sz="1200" dirty="0"/>
+              <a:t> Presentación de resultados y cierre de actividades.</a:t>
             </a:r>
           </a:p>
           <a:p>
@@ -5310,7 +5065,7 @@
               <a:buNone/>
               <a:defRPr/>
             </a:pPr>
-            <a:endParaRPr lang="es-VE" sz="1800"/>
+            <a:endParaRPr lang="es-VE" sz="1800" dirty="0"/>
           </a:p>
         </p:txBody>
       </p:sp>
@@ -5343,7 +5098,7 @@
         </p:spPr>
         <p:txBody>
           <a:bodyPr rtlCol="0">
-            <a:normAutofit/>
+            <a:normAutofit fontScale="85000" lnSpcReduction="10000"/>
           </a:bodyPr>
           <a:lstStyle/>
           <a:p>
@@ -5356,44 +5111,50 @@
               <a:defRPr/>
             </a:pPr>
             <a:r>
-              <a:rPr lang="es-VE" sz="1800" b="1"/>
+              <a:rPr lang="es-VE" sz="1800" b="1" dirty="0"/>
               <a:t>Riesgos Generales</a:t>
             </a:r>
           </a:p>
           <a:p>
-            <a:pPr marL="361950" indent="-276225" fontAlgn="auto">
+            <a:pPr marL="428625" fontAlgn="auto">
               <a:spcAft>
                 <a:spcPts val="0"/>
               </a:spcAft>
-              <a:defRPr/>
-            </a:pPr>
-            <a:r>
-              <a:rPr lang="es-VE" sz="1800"/>
-              <a:t>Riesgo #1.</a:t>
-            </a:r>
-          </a:p>
-          <a:p>
-            <a:pPr marL="361950" indent="-276225" fontAlgn="auto">
+              <a:buFont typeface="+mj-lt"/>
+              <a:buAutoNum type="arabicPeriod"/>
+              <a:defRPr/>
+            </a:pPr>
+            <a:r>
+              <a:rPr lang="es-VE" sz="1800" dirty="0"/>
+              <a:t>Baja participación estudiantil en la dinámica.</a:t>
+            </a:r>
+          </a:p>
+          <a:p>
+            <a:pPr marL="428625" fontAlgn="auto">
               <a:spcAft>
                 <a:spcPts val="0"/>
               </a:spcAft>
-              <a:defRPr/>
-            </a:pPr>
-            <a:r>
-              <a:rPr lang="es-VE" sz="1800"/>
-              <a:t>Riesgo #2.</a:t>
-            </a:r>
-          </a:p>
-          <a:p>
-            <a:pPr marL="361950" indent="-276225" fontAlgn="auto">
+              <a:buFont typeface="+mj-lt"/>
+              <a:buAutoNum type="arabicPeriod"/>
+              <a:defRPr/>
+            </a:pPr>
+            <a:r>
+              <a:rPr lang="es-VE" sz="1800" dirty="0"/>
+              <a:t>Desinterés o actitudes poco cooperativas.</a:t>
+            </a:r>
+          </a:p>
+          <a:p>
+            <a:pPr marL="428625" fontAlgn="auto">
               <a:spcAft>
                 <a:spcPts val="0"/>
               </a:spcAft>
-              <a:defRPr/>
-            </a:pPr>
-            <a:r>
-              <a:rPr lang="es-VE" sz="1800"/>
-              <a:t>Riesgo #3.</a:t>
+              <a:buFont typeface="+mj-lt"/>
+              <a:buAutoNum type="arabicPeriod"/>
+              <a:defRPr/>
+            </a:pPr>
+            <a:r>
+              <a:rPr lang="es-MX" altLang="es-MX" sz="1800" dirty="0"/>
+              <a:t>Dificultades para comprender las instrucciones proporcionadas por el organizador.</a:t>
             </a:r>
           </a:p>
         </p:txBody>
@@ -5427,7 +5188,7 @@
         </p:spPr>
         <p:txBody>
           <a:bodyPr rtlCol="0">
-            <a:normAutofit/>
+            <a:normAutofit fontScale="92500" lnSpcReduction="10000"/>
           </a:bodyPr>
           <a:lstStyle/>
           <a:p>
@@ -5440,7 +5201,7 @@
               <a:defRPr/>
             </a:pPr>
             <a:r>
-              <a:rPr lang="es-VE" sz="1800" b="1"/>
+              <a:rPr lang="es-VE" sz="1800" b="1" dirty="0"/>
               <a:t>Interesados Clave</a:t>
             </a:r>
           </a:p>
@@ -5452,8 +5213,16 @@
               <a:defRPr/>
             </a:pPr>
             <a:r>
-              <a:rPr lang="es-VE" sz="1800"/>
-              <a:t>[Nombre], [Cargo].</a:t>
+              <a:rPr lang="es-VE" sz="1800" dirty="0"/>
+              <a:t>Ing. </a:t>
+            </a:r>
+            <a:r>
+              <a:rPr lang="es-VE" sz="1800" dirty="0" err="1"/>
+              <a:t>Hazem</a:t>
+            </a:r>
+            <a:r>
+              <a:rPr lang="es-VE" sz="1800" dirty="0"/>
+              <a:t> Álvarez Rodríguez , Docente a cargo de la materia.</a:t>
             </a:r>
           </a:p>
           <a:p>
@@ -5464,20 +5233,8 @@
               <a:defRPr/>
             </a:pPr>
             <a:r>
-              <a:rPr lang="es-VE" sz="1800"/>
-              <a:t>[Nombre], [Cargo].</a:t>
-            </a:r>
-          </a:p>
-          <a:p>
-            <a:pPr marL="361950" indent="-276225" fontAlgn="auto">
-              <a:spcAft>
-                <a:spcPts val="0"/>
-              </a:spcAft>
-              <a:defRPr/>
-            </a:pPr>
-            <a:r>
-              <a:rPr lang="es-VE" sz="1800"/>
-              <a:t>[Nombre], [Cargo].</a:t>
+              <a:rPr lang="es-VE" sz="1800" dirty="0"/>
+              <a:t>Estudiantes de primer semestre , Participantes.</a:t>
             </a:r>
           </a:p>
         </p:txBody>
@@ -5532,1556 +5289,6 @@
     <p:extLst>
       <p:ext uri="{BB962C8B-B14F-4D97-AF65-F5344CB8AC3E}">
         <p14:creationId xmlns:p14="http://schemas.microsoft.com/office/powerpoint/2010/main" val="3912996295"/>
-      </p:ext>
-    </p:extLst>
-  </p:cSld>
-  <p:clrMapOvr>
-    <a:masterClrMapping/>
-  </p:clrMapOvr>
-</p:sld>
-</file>
-
-<file path=ppt/slides/slide2.xml><?xml version="1.0" encoding="utf-8"?>
-<p:sld xmlns:a="http://schemas.openxmlformats.org/drawingml/2006/main" xmlns:r="http://schemas.openxmlformats.org/officeDocument/2006/relationships" xmlns:p="http://schemas.openxmlformats.org/presentationml/2006/main">
-  <p:cSld>
-    <p:spTree>
-      <p:nvGrpSpPr>
-        <p:cNvPr id="1" name="">
-          <a:extLst>
-            <a:ext uri="{FF2B5EF4-FFF2-40B4-BE49-F238E27FC236}">
-              <a16:creationId xmlns:a16="http://schemas.microsoft.com/office/drawing/2014/main" id="{95ECC904-EBFD-2D0D-2263-A9B75825F558}"/>
-            </a:ext>
-          </a:extLst>
-        </p:cNvPr>
-        <p:cNvGrpSpPr/>
-        <p:nvPr/>
-      </p:nvGrpSpPr>
-      <p:grpSpPr>
-        <a:xfrm>
-          <a:off x="0" y="0"/>
-          <a:ext cx="0" cy="0"/>
-          <a:chOff x="0" y="0"/>
-          <a:chExt cx="0" cy="0"/>
-        </a:xfrm>
-      </p:grpSpPr>
-      <p:sp>
-        <p:nvSpPr>
-          <p:cNvPr id="7170" name="2 Marcador de contenido">
-            <a:extLst>
-              <a:ext uri="{FF2B5EF4-FFF2-40B4-BE49-F238E27FC236}">
-                <a16:creationId xmlns:a16="http://schemas.microsoft.com/office/drawing/2014/main" id="{44A523D4-95D7-9995-D7C9-AF8681F09888}"/>
-              </a:ext>
-            </a:extLst>
-          </p:cNvPr>
-          <p:cNvSpPr>
-            <a:spLocks noGrp="1"/>
-          </p:cNvSpPr>
-          <p:nvPr>
-            <p:ph sz="half" idx="1"/>
-          </p:nvPr>
-        </p:nvSpPr>
-        <p:spPr>
-          <a:xfrm>
-            <a:off x="360875" y="1772816"/>
-            <a:ext cx="8531605" cy="4752528"/>
-          </a:xfrm>
-          <a:ln w="31750">
-            <a:solidFill>
-              <a:schemeClr val="accent1"/>
-            </a:solidFill>
-            <a:miter lim="800000"/>
-            <a:headEnd/>
-            <a:tailEnd/>
-          </a:ln>
-        </p:spPr>
-        <p:txBody>
-          <a:bodyPr/>
-          <a:lstStyle/>
-          <a:p>
-            <a:pPr marL="85725" indent="0" algn="ctr">
-              <a:buFont typeface="Arial" panose="020B0604020202020204" pitchFamily="34" charset="0"/>
-              <a:buNone/>
-            </a:pPr>
-            <a:r>
-              <a:rPr lang="es-VE" altLang="en-US" sz="1800" b="1"/>
-              <a:t>Justificación y Descripción del Proyecto</a:t>
-            </a:r>
-          </a:p>
-          <a:p>
-            <a:pPr marL="85725" indent="0" algn="ctr">
-              <a:buFont typeface="Arial" panose="020B0604020202020204" pitchFamily="34" charset="0"/>
-              <a:buNone/>
-            </a:pPr>
-            <a:endParaRPr lang="es-VE" altLang="en-US" sz="1800"/>
-          </a:p>
-          <a:p>
-            <a:pPr marL="85725" indent="0">
-              <a:buNone/>
-            </a:pPr>
-            <a:r>
-              <a:rPr lang="es-MX" sz="1800" b="1"/>
-              <a:t>Justificación</a:t>
-            </a:r>
-          </a:p>
-          <a:p>
-            <a:pPr marL="85725" indent="0">
-              <a:buNone/>
-            </a:pPr>
-            <a:r>
-              <a:rPr lang="es-MX" sz="1800"/>
-              <a:t>Los estudiantes de nuevo ingreso enfrentan dificultades para socializar, lo que genera timidez, desconocimiento y fragmentación del entorno escolar. Esto afecta negativamente la colaboración, el sentido de pertenencia y la retención escolar, además de dificultar el trabajo en equipo debido al desconocimiento de las actitudes y formas de interacción de sus compañeros al momento de colaborar en actividades académicas o proyectos grupales.</a:t>
-            </a:r>
-          </a:p>
-          <a:p>
-            <a:pPr marL="85725" indent="0">
-              <a:buNone/>
-            </a:pPr>
-            <a:endParaRPr lang="es-MX" altLang="en-US" sz="1800"/>
-          </a:p>
-        </p:txBody>
-      </p:sp>
-      <p:sp>
-        <p:nvSpPr>
-          <p:cNvPr id="18" name="1 Título">
-            <a:extLst>
-              <a:ext uri="{FF2B5EF4-FFF2-40B4-BE49-F238E27FC236}">
-                <a16:creationId xmlns:a16="http://schemas.microsoft.com/office/drawing/2014/main" id="{23E1C4D0-03F3-C19E-CD52-E761F2F31312}"/>
-              </a:ext>
-            </a:extLst>
-          </p:cNvPr>
-          <p:cNvSpPr txBox="1">
-            <a:spLocks/>
-          </p:cNvSpPr>
-          <p:nvPr/>
-        </p:nvSpPr>
-        <p:spPr>
-          <a:xfrm>
-            <a:off x="685800" y="1214438"/>
-            <a:ext cx="7772400" cy="357187"/>
-          </a:xfrm>
-          <a:prstGeom prst="rect">
-            <a:avLst/>
-          </a:prstGeom>
-        </p:spPr>
-        <p:txBody>
-          <a:bodyPr anchor="ctr">
-            <a:normAutofit fontScale="92500" lnSpcReduction="10000"/>
-          </a:bodyPr>
-          <a:lstStyle/>
-          <a:p>
-            <a:pPr algn="ctr" fontAlgn="auto">
-              <a:spcAft>
-                <a:spcPts val="0"/>
-              </a:spcAft>
-              <a:defRPr/>
-            </a:pPr>
-            <a:r>
-              <a:rPr lang="es-VE" sz="2000" b="1">
-                <a:latin typeface="+mj-lt"/>
-                <a:ea typeface="+mj-ea"/>
-                <a:cs typeface="+mj-cs"/>
-              </a:rPr>
-              <a:t>[Integración Escolar]</a:t>
-            </a:r>
-          </a:p>
-        </p:txBody>
-      </p:sp>
-    </p:spTree>
-    <p:extLst>
-      <p:ext uri="{BB962C8B-B14F-4D97-AF65-F5344CB8AC3E}">
-        <p14:creationId xmlns:p14="http://schemas.microsoft.com/office/powerpoint/2010/main" val="3442506577"/>
-      </p:ext>
-    </p:extLst>
-  </p:cSld>
-  <p:clrMapOvr>
-    <a:masterClrMapping/>
-  </p:clrMapOvr>
-</p:sld>
-</file>
-
-<file path=ppt/slides/slide3.xml><?xml version="1.0" encoding="utf-8"?>
-<p:sld xmlns:a="http://schemas.openxmlformats.org/drawingml/2006/main" xmlns:r="http://schemas.openxmlformats.org/officeDocument/2006/relationships" xmlns:p="http://schemas.openxmlformats.org/presentationml/2006/main">
-  <p:cSld>
-    <p:spTree>
-      <p:nvGrpSpPr>
-        <p:cNvPr id="1" name=""/>
-        <p:cNvGrpSpPr/>
-        <p:nvPr/>
-      </p:nvGrpSpPr>
-      <p:grpSpPr>
-        <a:xfrm>
-          <a:off x="0" y="0"/>
-          <a:ext cx="0" cy="0"/>
-          <a:chOff x="0" y="0"/>
-          <a:chExt cx="0" cy="0"/>
-        </a:xfrm>
-      </p:grpSpPr>
-      <p:sp>
-        <p:nvSpPr>
-          <p:cNvPr id="7170" name="2 Marcador de contenido">
-            <a:extLst>
-              <a:ext uri="{FF2B5EF4-FFF2-40B4-BE49-F238E27FC236}">
-                <a16:creationId xmlns:a16="http://schemas.microsoft.com/office/drawing/2014/main" id="{BB3067A9-9130-C797-48F6-8C6FD3584E4A}"/>
-              </a:ext>
-            </a:extLst>
-          </p:cNvPr>
-          <p:cNvSpPr>
-            <a:spLocks noGrp="1"/>
-          </p:cNvSpPr>
-          <p:nvPr>
-            <p:ph sz="half" idx="1"/>
-          </p:nvPr>
-        </p:nvSpPr>
-        <p:spPr>
-          <a:xfrm>
-            <a:off x="360875" y="1772816"/>
-            <a:ext cx="8531605" cy="4752528"/>
-          </a:xfrm>
-          <a:ln w="31750">
-            <a:solidFill>
-              <a:schemeClr val="accent1"/>
-            </a:solidFill>
-            <a:miter lim="800000"/>
-            <a:headEnd/>
-            <a:tailEnd/>
-          </a:ln>
-        </p:spPr>
-        <p:txBody>
-          <a:bodyPr/>
-          <a:lstStyle/>
-          <a:p>
-            <a:pPr marL="85725" indent="0" algn="ctr">
-              <a:buFont typeface="Arial" panose="020B0604020202020204" pitchFamily="34" charset="0"/>
-              <a:buNone/>
-            </a:pPr>
-            <a:r>
-              <a:rPr lang="es-VE" altLang="en-US" sz="1800" b="1"/>
-              <a:t>Justificación y Descripción del Proyecto</a:t>
-            </a:r>
-            <a:endParaRPr lang="es-VE" altLang="en-US" sz="1800"/>
-          </a:p>
-          <a:p>
-            <a:pPr marL="85725" indent="0">
-              <a:buNone/>
-            </a:pPr>
-            <a:endParaRPr lang="es-MX" altLang="en-US" sz="1800"/>
-          </a:p>
-          <a:p>
-            <a:pPr marL="85725" indent="0">
-              <a:buNone/>
-            </a:pPr>
-            <a:r>
-              <a:rPr lang="es-VE" altLang="en-US" sz="1800" b="1"/>
-              <a:t>Descripción de proyecto</a:t>
-            </a:r>
-          </a:p>
-          <a:p>
-            <a:pPr marL="85725" indent="0">
-              <a:buNone/>
-            </a:pPr>
-            <a:r>
-              <a:rPr lang="es-MX" sz="1800"/>
-              <a:t>El proyecto busca promover la integración de los estudiantes de nuevo ingreso mediante la aplicación de actividades colaborativas y recreativas diseñadas para favorecer la interacción social. Estas dinámicas permitirán a los participantes conocerse mejor, desarrollar habilidades de comunicación, generar confianza  y fortalecer el sentido de pertenencia. Con ello, se pretende construir un ambiente académico más inclusivo y participativo que facilite el trabajo en equipo y potencie tanto el rendimiento académico. </a:t>
-            </a:r>
-            <a:endParaRPr lang="es-VE" altLang="en-US" sz="1800"/>
-          </a:p>
-        </p:txBody>
-      </p:sp>
-      <p:sp>
-        <p:nvSpPr>
-          <p:cNvPr id="18" name="1 Título">
-            <a:extLst>
-              <a:ext uri="{FF2B5EF4-FFF2-40B4-BE49-F238E27FC236}">
-                <a16:creationId xmlns:a16="http://schemas.microsoft.com/office/drawing/2014/main" id="{B8E52107-0BF4-4ACA-2F41-24914B98A6B4}"/>
-              </a:ext>
-            </a:extLst>
-          </p:cNvPr>
-          <p:cNvSpPr txBox="1">
-            <a:spLocks/>
-          </p:cNvSpPr>
-          <p:nvPr/>
-        </p:nvSpPr>
-        <p:spPr>
-          <a:xfrm>
-            <a:off x="685800" y="1214438"/>
-            <a:ext cx="7772400" cy="357187"/>
-          </a:xfrm>
-          <a:prstGeom prst="rect">
-            <a:avLst/>
-          </a:prstGeom>
-        </p:spPr>
-        <p:txBody>
-          <a:bodyPr anchor="ctr">
-            <a:normAutofit fontScale="92500" lnSpcReduction="10000"/>
-          </a:bodyPr>
-          <a:lstStyle/>
-          <a:p>
-            <a:pPr algn="ctr" fontAlgn="auto">
-              <a:spcAft>
-                <a:spcPts val="0"/>
-              </a:spcAft>
-              <a:defRPr/>
-            </a:pPr>
-            <a:r>
-              <a:rPr lang="es-VE" sz="2000" b="1">
-                <a:latin typeface="+mj-lt"/>
-                <a:ea typeface="+mj-ea"/>
-                <a:cs typeface="+mj-cs"/>
-              </a:rPr>
-              <a:t>[Integración Escolar]</a:t>
-            </a:r>
-          </a:p>
-        </p:txBody>
-      </p:sp>
-    </p:spTree>
-  </p:cSld>
-  <p:clrMapOvr>
-    <a:masterClrMapping/>
-  </p:clrMapOvr>
-</p:sld>
-</file>
-
-<file path=ppt/slides/slide4.xml><?xml version="1.0" encoding="utf-8"?>
-<p:sld xmlns:a="http://schemas.openxmlformats.org/drawingml/2006/main" xmlns:r="http://schemas.openxmlformats.org/officeDocument/2006/relationships" xmlns:p="http://schemas.openxmlformats.org/presentationml/2006/main">
-  <p:cSld>
-    <p:spTree>
-      <p:nvGrpSpPr>
-        <p:cNvPr id="1" name="">
-          <a:extLst>
-            <a:ext uri="{FF2B5EF4-FFF2-40B4-BE49-F238E27FC236}">
-              <a16:creationId xmlns:a16="http://schemas.microsoft.com/office/drawing/2014/main" id="{1A9E1539-49F6-AA1C-7E2C-D4EE42825E68}"/>
-            </a:ext>
-          </a:extLst>
-        </p:cNvPr>
-        <p:cNvGrpSpPr/>
-        <p:nvPr/>
-      </p:nvGrpSpPr>
-      <p:grpSpPr>
-        <a:xfrm>
-          <a:off x="0" y="0"/>
-          <a:ext cx="0" cy="0"/>
-          <a:chOff x="0" y="0"/>
-          <a:chExt cx="0" cy="0"/>
-        </a:xfrm>
-      </p:grpSpPr>
-      <p:sp>
-        <p:nvSpPr>
-          <p:cNvPr id="7171" name="2 Marcador de contenido">
-            <a:extLst>
-              <a:ext uri="{FF2B5EF4-FFF2-40B4-BE49-F238E27FC236}">
-                <a16:creationId xmlns:a16="http://schemas.microsoft.com/office/drawing/2014/main" id="{4DB9AB31-1D0C-C9CE-E51A-593A61204B43}"/>
-              </a:ext>
-            </a:extLst>
-          </p:cNvPr>
-          <p:cNvSpPr>
-            <a:spLocks noGrp="1"/>
-          </p:cNvSpPr>
-          <p:nvPr>
-            <p:ph sz="half" idx="1"/>
-          </p:nvPr>
-        </p:nvSpPr>
-        <p:spPr>
-          <a:xfrm>
-            <a:off x="214312" y="1700808"/>
-            <a:ext cx="8750175" cy="4871442"/>
-          </a:xfrm>
-          <a:ln w="31750">
-            <a:solidFill>
-              <a:schemeClr val="accent1"/>
-            </a:solidFill>
-            <a:miter lim="800000"/>
-            <a:headEnd/>
-            <a:tailEnd/>
-          </a:ln>
-        </p:spPr>
-        <p:txBody>
-          <a:bodyPr/>
-          <a:lstStyle/>
-          <a:p>
-            <a:pPr marL="85725" indent="0" algn="ctr">
-              <a:buFont typeface="Arial" panose="020B0604020202020204" pitchFamily="34" charset="0"/>
-              <a:buNone/>
-            </a:pPr>
-            <a:r>
-              <a:rPr lang="es-VE" altLang="en-US" sz="1800" b="1"/>
-              <a:t>Objetivos</a:t>
-            </a:r>
-          </a:p>
-          <a:p>
-            <a:pPr marL="0" indent="0">
-              <a:buNone/>
-            </a:pPr>
-            <a:r>
-              <a:rPr lang="es-MX" sz="1800" b="1"/>
-              <a:t>Objetivo General</a:t>
-            </a:r>
-          </a:p>
-          <a:p>
-            <a:pPr marL="0" indent="0">
-              <a:buNone/>
-            </a:pPr>
-            <a:r>
-              <a:rPr lang="es-MX" sz="1800"/>
-              <a:t>Promover la cohesión grupal y la participación académica de los estudiantes de nuevo ingreso.</a:t>
-            </a:r>
-          </a:p>
-          <a:p>
-            <a:pPr marL="0" indent="0">
-              <a:buNone/>
-            </a:pPr>
-            <a:endParaRPr lang="es-MX" sz="1800"/>
-          </a:p>
-          <a:p>
-            <a:pPr marL="0" indent="0">
-              <a:buNone/>
-            </a:pPr>
-            <a:r>
-              <a:rPr lang="es-MX" sz="1800" b="1"/>
-              <a:t>Objetivos Específicos</a:t>
-            </a:r>
-          </a:p>
-          <a:p>
-            <a:pPr lvl="1"/>
-            <a:r>
-              <a:rPr lang="es-MX" sz="1800"/>
-              <a:t>Diseñar dinámicas grupales que promuevan la interacción entre estudiantes.</a:t>
-            </a:r>
-          </a:p>
-          <a:p>
-            <a:pPr lvl="1"/>
-            <a:r>
-              <a:rPr lang="es-MX" sz="1800"/>
-              <a:t>Implementar estrategias lúdicas que reduzcan la timidez y aumenten la confianza.</a:t>
-            </a:r>
-          </a:p>
-          <a:p>
-            <a:pPr lvl="1"/>
-            <a:r>
-              <a:rPr lang="es-MX" sz="1800"/>
-              <a:t>Evaluar el impacto de las actividades en la cohesión grupal y participación académica.</a:t>
-            </a:r>
-          </a:p>
-          <a:p>
-            <a:pPr marL="85725" indent="0">
-              <a:buFont typeface="Arial" panose="020B0604020202020204" pitchFamily="34" charset="0"/>
-              <a:buNone/>
-            </a:pPr>
-            <a:endParaRPr lang="es-VE" altLang="en-US" sz="1800" b="1"/>
-          </a:p>
-          <a:p>
-            <a:pPr marL="85725" indent="0">
-              <a:buFont typeface="Arial" panose="020B0604020202020204" pitchFamily="34" charset="0"/>
-              <a:buNone/>
-            </a:pPr>
-            <a:endParaRPr lang="es-VE" altLang="en-US" sz="1800"/>
-          </a:p>
-        </p:txBody>
-      </p:sp>
-      <p:sp>
-        <p:nvSpPr>
-          <p:cNvPr id="18" name="1 Título">
-            <a:extLst>
-              <a:ext uri="{FF2B5EF4-FFF2-40B4-BE49-F238E27FC236}">
-                <a16:creationId xmlns:a16="http://schemas.microsoft.com/office/drawing/2014/main" id="{8DAD06A9-9C10-6421-3010-8459F1D82C63}"/>
-              </a:ext>
-            </a:extLst>
-          </p:cNvPr>
-          <p:cNvSpPr txBox="1">
-            <a:spLocks/>
-          </p:cNvSpPr>
-          <p:nvPr/>
-        </p:nvSpPr>
-        <p:spPr>
-          <a:xfrm>
-            <a:off x="685800" y="1214438"/>
-            <a:ext cx="7772400" cy="357187"/>
-          </a:xfrm>
-          <a:prstGeom prst="rect">
-            <a:avLst/>
-          </a:prstGeom>
-        </p:spPr>
-        <p:txBody>
-          <a:bodyPr anchor="ctr">
-            <a:normAutofit fontScale="92500" lnSpcReduction="10000"/>
-          </a:bodyPr>
-          <a:lstStyle/>
-          <a:p>
-            <a:pPr algn="ctr" fontAlgn="auto">
-              <a:spcAft>
-                <a:spcPts val="0"/>
-              </a:spcAft>
-              <a:defRPr/>
-            </a:pPr>
-            <a:r>
-              <a:rPr lang="es-VE" sz="2000" b="1">
-                <a:latin typeface="+mj-lt"/>
-                <a:ea typeface="+mj-ea"/>
-                <a:cs typeface="+mj-cs"/>
-              </a:rPr>
-              <a:t>[Integración Escolar]</a:t>
-            </a:r>
-          </a:p>
-        </p:txBody>
-      </p:sp>
-    </p:spTree>
-    <p:extLst>
-      <p:ext uri="{BB962C8B-B14F-4D97-AF65-F5344CB8AC3E}">
-        <p14:creationId xmlns:p14="http://schemas.microsoft.com/office/powerpoint/2010/main" val="1584102622"/>
-      </p:ext>
-    </p:extLst>
-  </p:cSld>
-  <p:clrMapOvr>
-    <a:masterClrMapping/>
-  </p:clrMapOvr>
-</p:sld>
-</file>
-
-<file path=ppt/slides/slide5.xml><?xml version="1.0" encoding="utf-8"?>
-<p:sld xmlns:a="http://schemas.openxmlformats.org/drawingml/2006/main" xmlns:r="http://schemas.openxmlformats.org/officeDocument/2006/relationships" xmlns:p="http://schemas.openxmlformats.org/presentationml/2006/main">
-  <p:cSld>
-    <p:spTree>
-      <p:nvGrpSpPr>
-        <p:cNvPr id="1" name="">
-          <a:extLst>
-            <a:ext uri="{FF2B5EF4-FFF2-40B4-BE49-F238E27FC236}">
-              <a16:creationId xmlns:a16="http://schemas.microsoft.com/office/drawing/2014/main" id="{C90580A2-69A4-CAA4-5E85-42DA2A7C3923}"/>
-            </a:ext>
-          </a:extLst>
-        </p:cNvPr>
-        <p:cNvGrpSpPr/>
-        <p:nvPr/>
-      </p:nvGrpSpPr>
-      <p:grpSpPr>
-        <a:xfrm>
-          <a:off x="0" y="0"/>
-          <a:ext cx="0" cy="0"/>
-          <a:chOff x="0" y="0"/>
-          <a:chExt cx="0" cy="0"/>
-        </a:xfrm>
-      </p:grpSpPr>
-      <p:sp>
-        <p:nvSpPr>
-          <p:cNvPr id="7171" name="2 Marcador de contenido">
-            <a:extLst>
-              <a:ext uri="{FF2B5EF4-FFF2-40B4-BE49-F238E27FC236}">
-                <a16:creationId xmlns:a16="http://schemas.microsoft.com/office/drawing/2014/main" id="{12C9B198-7BAE-56DF-44E0-8AB088226AB3}"/>
-              </a:ext>
-            </a:extLst>
-          </p:cNvPr>
-          <p:cNvSpPr>
-            <a:spLocks noGrp="1"/>
-          </p:cNvSpPr>
-          <p:nvPr>
-            <p:ph sz="half" idx="1"/>
-          </p:nvPr>
-        </p:nvSpPr>
-        <p:spPr>
-          <a:xfrm>
-            <a:off x="214312" y="1700808"/>
-            <a:ext cx="8750175" cy="4871442"/>
-          </a:xfrm>
-          <a:ln w="31750">
-            <a:solidFill>
-              <a:schemeClr val="accent1"/>
-            </a:solidFill>
-            <a:miter lim="800000"/>
-            <a:headEnd/>
-            <a:tailEnd/>
-          </a:ln>
-        </p:spPr>
-        <p:txBody>
-          <a:bodyPr/>
-          <a:lstStyle/>
-          <a:p>
-            <a:pPr marL="85725" indent="0" algn="ctr">
-              <a:buFont typeface="Arial" panose="020B0604020202020204" pitchFamily="34" charset="0"/>
-              <a:buNone/>
-            </a:pPr>
-            <a:r>
-              <a:rPr lang="es-VE" altLang="en-US" sz="1800" b="1"/>
-              <a:t>Objetivos</a:t>
-            </a:r>
-          </a:p>
-          <a:p>
-            <a:pPr marL="85725" indent="0">
-              <a:buFont typeface="Arial" panose="020B0604020202020204" pitchFamily="34" charset="0"/>
-              <a:buNone/>
-            </a:pPr>
-            <a:r>
-              <a:rPr lang="es-MX" altLang="en-US" sz="1800" b="1"/>
-              <a:t>Alcance</a:t>
-            </a:r>
-          </a:p>
-          <a:p>
-            <a:pPr marL="85725" indent="0">
-              <a:buFont typeface="Arial" panose="020B0604020202020204" pitchFamily="34" charset="0"/>
-              <a:buNone/>
-            </a:pPr>
-            <a:r>
-              <a:rPr lang="es-MX" altLang="en-US" sz="1800"/>
-              <a:t>Objetivos de alcance:</a:t>
-            </a:r>
-            <a:endParaRPr lang="es-MX" altLang="en-US" sz="1400"/>
-          </a:p>
-          <a:p>
-            <a:pPr marL="771525" lvl="1"/>
-            <a:r>
-              <a:rPr lang="es-MX" altLang="en-US" sz="1800"/>
-              <a:t>Incluir a los estudiantes de nuevo ingreso en actividades que fortalezcan su integración dentro y fuera del aula.</a:t>
-            </a:r>
-          </a:p>
-          <a:p>
-            <a:pPr marL="771525" lvl="1"/>
-            <a:r>
-              <a:rPr lang="es-MX" altLang="en-US" sz="1800"/>
-              <a:t>Mejorar la comunicación, el trabajo en equipo y el sentido de pertenencia institucional.</a:t>
-            </a:r>
-          </a:p>
-          <a:p>
-            <a:pPr marL="85725" indent="0">
-              <a:buFont typeface="Arial" panose="020B0604020202020204" pitchFamily="34" charset="0"/>
-              <a:buNone/>
-            </a:pPr>
-            <a:endParaRPr lang="es-MX" altLang="en-US" sz="1800"/>
-          </a:p>
-          <a:p>
-            <a:pPr marL="85725" indent="0">
-              <a:buFont typeface="Arial" panose="020B0604020202020204" pitchFamily="34" charset="0"/>
-              <a:buNone/>
-            </a:pPr>
-            <a:r>
-              <a:rPr lang="es-MX" altLang="en-US" sz="1800"/>
-              <a:t>Requerimientos:</a:t>
-            </a:r>
-          </a:p>
-          <a:p>
-            <a:pPr marL="771525" lvl="1"/>
-            <a:r>
-              <a:rPr lang="es-MX" altLang="en-US" sz="1800"/>
-              <a:t>Planificación de actividades participativas (juegos, entrevistas, dinámicas lúdicas).</a:t>
-            </a:r>
-          </a:p>
-          <a:p>
-            <a:pPr marL="771525" lvl="1"/>
-            <a:r>
-              <a:rPr lang="es-MX" altLang="en-US" sz="1800"/>
-              <a:t>Espacios físicos y apoyo institucional para el desarrollo de las dinámicas.</a:t>
-            </a:r>
-          </a:p>
-          <a:p>
-            <a:pPr marL="771525" lvl="1"/>
-            <a:r>
-              <a:rPr lang="es-MX" altLang="en-US" sz="1800"/>
-              <a:t>Materiales de bajo costo (hojas, tarjetas, objetos para juegos).</a:t>
-            </a:r>
-          </a:p>
-          <a:p>
-            <a:pPr marL="771525" lvl="1"/>
-            <a:r>
-              <a:rPr lang="es-MX" altLang="en-US" sz="1800"/>
-              <a:t>Facilitadores o responsables que supervisen la implementación.</a:t>
-            </a:r>
-            <a:endParaRPr lang="es-VE" altLang="en-US" sz="1800"/>
-          </a:p>
-        </p:txBody>
-      </p:sp>
-      <p:sp>
-        <p:nvSpPr>
-          <p:cNvPr id="18" name="1 Título">
-            <a:extLst>
-              <a:ext uri="{FF2B5EF4-FFF2-40B4-BE49-F238E27FC236}">
-                <a16:creationId xmlns:a16="http://schemas.microsoft.com/office/drawing/2014/main" id="{9C8B7689-B8C1-726F-92EE-D5D37ABEBA54}"/>
-              </a:ext>
-            </a:extLst>
-          </p:cNvPr>
-          <p:cNvSpPr txBox="1">
-            <a:spLocks/>
-          </p:cNvSpPr>
-          <p:nvPr/>
-        </p:nvSpPr>
-        <p:spPr>
-          <a:xfrm>
-            <a:off x="685800" y="1214438"/>
-            <a:ext cx="7772400" cy="357187"/>
-          </a:xfrm>
-          <a:prstGeom prst="rect">
-            <a:avLst/>
-          </a:prstGeom>
-        </p:spPr>
-        <p:txBody>
-          <a:bodyPr anchor="ctr">
-            <a:normAutofit fontScale="92500" lnSpcReduction="10000"/>
-          </a:bodyPr>
-          <a:lstStyle/>
-          <a:p>
-            <a:pPr algn="ctr" fontAlgn="auto">
-              <a:spcAft>
-                <a:spcPts val="0"/>
-              </a:spcAft>
-              <a:defRPr/>
-            </a:pPr>
-            <a:r>
-              <a:rPr lang="es-VE" sz="2000" b="1">
-                <a:latin typeface="+mj-lt"/>
-                <a:ea typeface="+mj-ea"/>
-                <a:cs typeface="+mj-cs"/>
-              </a:rPr>
-              <a:t>[Integración Escolar]</a:t>
-            </a:r>
-          </a:p>
-        </p:txBody>
-      </p:sp>
-    </p:spTree>
-    <p:extLst>
-      <p:ext uri="{BB962C8B-B14F-4D97-AF65-F5344CB8AC3E}">
-        <p14:creationId xmlns:p14="http://schemas.microsoft.com/office/powerpoint/2010/main" val="3873799325"/>
-      </p:ext>
-    </p:extLst>
-  </p:cSld>
-  <p:clrMapOvr>
-    <a:masterClrMapping/>
-  </p:clrMapOvr>
-</p:sld>
-</file>
-
-<file path=ppt/slides/slide6.xml><?xml version="1.0" encoding="utf-8"?>
-<p:sld xmlns:a="http://schemas.openxmlformats.org/drawingml/2006/main" xmlns:r="http://schemas.openxmlformats.org/officeDocument/2006/relationships" xmlns:p="http://schemas.openxmlformats.org/presentationml/2006/main">
-  <p:cSld>
-    <p:spTree>
-      <p:nvGrpSpPr>
-        <p:cNvPr id="1" name="">
-          <a:extLst>
-            <a:ext uri="{FF2B5EF4-FFF2-40B4-BE49-F238E27FC236}">
-              <a16:creationId xmlns:a16="http://schemas.microsoft.com/office/drawing/2014/main" id="{4D16B85C-B268-7EC9-560C-0B3C13BC9174}"/>
-            </a:ext>
-          </a:extLst>
-        </p:cNvPr>
-        <p:cNvGrpSpPr/>
-        <p:nvPr/>
-      </p:nvGrpSpPr>
-      <p:grpSpPr>
-        <a:xfrm>
-          <a:off x="0" y="0"/>
-          <a:ext cx="0" cy="0"/>
-          <a:chOff x="0" y="0"/>
-          <a:chExt cx="0" cy="0"/>
-        </a:xfrm>
-      </p:grpSpPr>
-      <p:sp>
-        <p:nvSpPr>
-          <p:cNvPr id="7171" name="2 Marcador de contenido">
-            <a:extLst>
-              <a:ext uri="{FF2B5EF4-FFF2-40B4-BE49-F238E27FC236}">
-                <a16:creationId xmlns:a16="http://schemas.microsoft.com/office/drawing/2014/main" id="{12192C51-DE66-177F-D8CF-B0AEEF369A62}"/>
-              </a:ext>
-            </a:extLst>
-          </p:cNvPr>
-          <p:cNvSpPr>
-            <a:spLocks noGrp="1"/>
-          </p:cNvSpPr>
-          <p:nvPr>
-            <p:ph sz="half" idx="1"/>
-          </p:nvPr>
-        </p:nvSpPr>
-        <p:spPr>
-          <a:xfrm>
-            <a:off x="214312" y="1700808"/>
-            <a:ext cx="8750175" cy="4871442"/>
-          </a:xfrm>
-          <a:ln w="31750">
-            <a:solidFill>
-              <a:schemeClr val="accent1"/>
-            </a:solidFill>
-            <a:miter lim="800000"/>
-            <a:headEnd/>
-            <a:tailEnd/>
-          </a:ln>
-        </p:spPr>
-        <p:txBody>
-          <a:bodyPr/>
-          <a:lstStyle/>
-          <a:p>
-            <a:pPr marL="85725" indent="0" algn="ctr">
-              <a:buFont typeface="Arial" panose="020B0604020202020204" pitchFamily="34" charset="0"/>
-              <a:buNone/>
-            </a:pPr>
-            <a:r>
-              <a:rPr lang="es-VE" altLang="en-US" sz="1800" b="1"/>
-              <a:t>Objetivos</a:t>
-            </a:r>
-          </a:p>
-          <a:p>
-            <a:pPr marL="85725" indent="0">
-              <a:buFont typeface="Arial" panose="020B0604020202020204" pitchFamily="34" charset="0"/>
-              <a:buNone/>
-            </a:pPr>
-            <a:r>
-              <a:rPr lang="es-MX" altLang="en-US" sz="1800" b="1"/>
-              <a:t>Tiempo</a:t>
-            </a:r>
-          </a:p>
-          <a:p>
-            <a:pPr marL="371475" indent="-285750"/>
-            <a:r>
-              <a:rPr lang="es-MX" altLang="en-US" sz="1800"/>
-              <a:t>Fecha de inicio:  05/08/2025</a:t>
-            </a:r>
-          </a:p>
-          <a:p>
-            <a:pPr marL="371475" indent="-285750"/>
-            <a:r>
-              <a:rPr lang="es-MX" altLang="en-US" sz="1800"/>
-              <a:t>Fecha de finalización: 17/12/2025</a:t>
-            </a:r>
-          </a:p>
-          <a:p>
-            <a:pPr marL="371475" indent="-285750"/>
-            <a:r>
-              <a:rPr lang="es-MX" altLang="en-US" sz="1800"/>
-              <a:t>Duración estimada: 19 semanas, distribuidas en actividades semanales de integración y cierre.</a:t>
-            </a:r>
-          </a:p>
-          <a:p>
-            <a:pPr marL="85725" indent="0">
-              <a:buFont typeface="Arial" panose="020B0604020202020204" pitchFamily="34" charset="0"/>
-              <a:buNone/>
-            </a:pPr>
-            <a:endParaRPr lang="es-MX" altLang="en-US" sz="1800"/>
-          </a:p>
-          <a:p>
-            <a:pPr marL="85725" indent="0">
-              <a:buFont typeface="Arial" panose="020B0604020202020204" pitchFamily="34" charset="0"/>
-              <a:buNone/>
-            </a:pPr>
-            <a:r>
-              <a:rPr lang="es-MX" altLang="en-US" sz="1800" b="1"/>
-              <a:t>Costo </a:t>
-            </a:r>
-          </a:p>
-          <a:p>
-            <a:pPr marL="371475" indent="-285750"/>
-            <a:r>
-              <a:rPr lang="es-MX" altLang="en-US" sz="1800"/>
-              <a:t>Presupuesto para materiales didácticos.</a:t>
-            </a:r>
-          </a:p>
-          <a:p>
-            <a:pPr marL="371475" indent="-285750"/>
-            <a:r>
-              <a:rPr lang="es-MX" sz="1800"/>
-              <a:t>Apoyo institucional para espacios y supervisión.</a:t>
-            </a:r>
-            <a:endParaRPr lang="es-MX" altLang="en-US" sz="1800"/>
-          </a:p>
-          <a:p>
-            <a:pPr marL="371475" indent="-285750"/>
-            <a:r>
-              <a:rPr lang="es-MX" sz="1800"/>
-              <a:t>No requiere inversión en infraestructura, solo insumos mínimos y tiempo de coordinación.</a:t>
-            </a:r>
-            <a:endParaRPr lang="es-MX" altLang="en-US" sz="1800"/>
-          </a:p>
-          <a:p>
-            <a:pPr marL="371475" indent="-285750"/>
-            <a:endParaRPr lang="es-MX" altLang="en-US" sz="1800"/>
-          </a:p>
-          <a:p>
-            <a:pPr marL="85725" indent="0">
-              <a:buFont typeface="Arial" panose="020B0604020202020204" pitchFamily="34" charset="0"/>
-              <a:buNone/>
-            </a:pPr>
-            <a:endParaRPr lang="es-MX" altLang="en-US" sz="1800"/>
-          </a:p>
-          <a:p>
-            <a:pPr marL="371475" indent="-285750"/>
-            <a:endParaRPr lang="es-MX" altLang="en-US" sz="1800"/>
-          </a:p>
-          <a:p>
-            <a:pPr marL="85725" indent="0">
-              <a:buFont typeface="Arial" panose="020B0604020202020204" pitchFamily="34" charset="0"/>
-              <a:buNone/>
-            </a:pPr>
-            <a:endParaRPr lang="es-VE" altLang="en-US" sz="1800"/>
-          </a:p>
-        </p:txBody>
-      </p:sp>
-      <p:sp>
-        <p:nvSpPr>
-          <p:cNvPr id="18" name="1 Título">
-            <a:extLst>
-              <a:ext uri="{FF2B5EF4-FFF2-40B4-BE49-F238E27FC236}">
-                <a16:creationId xmlns:a16="http://schemas.microsoft.com/office/drawing/2014/main" id="{25694554-2C0B-4E36-BA77-B238456879D9}"/>
-              </a:ext>
-            </a:extLst>
-          </p:cNvPr>
-          <p:cNvSpPr txBox="1">
-            <a:spLocks/>
-          </p:cNvSpPr>
-          <p:nvPr/>
-        </p:nvSpPr>
-        <p:spPr>
-          <a:xfrm>
-            <a:off x="685800" y="1214438"/>
-            <a:ext cx="7772400" cy="357187"/>
-          </a:xfrm>
-          <a:prstGeom prst="rect">
-            <a:avLst/>
-          </a:prstGeom>
-        </p:spPr>
-        <p:txBody>
-          <a:bodyPr anchor="ctr">
-            <a:normAutofit fontScale="92500" lnSpcReduction="10000"/>
-          </a:bodyPr>
-          <a:lstStyle/>
-          <a:p>
-            <a:pPr algn="ctr" fontAlgn="auto">
-              <a:spcAft>
-                <a:spcPts val="0"/>
-              </a:spcAft>
-              <a:defRPr/>
-            </a:pPr>
-            <a:r>
-              <a:rPr lang="es-VE" sz="2000" b="1">
-                <a:latin typeface="+mj-lt"/>
-                <a:ea typeface="+mj-ea"/>
-                <a:cs typeface="+mj-cs"/>
-              </a:rPr>
-              <a:t>[Integración Escolar]</a:t>
-            </a:r>
-          </a:p>
-        </p:txBody>
-      </p:sp>
-    </p:spTree>
-    <p:extLst>
-      <p:ext uri="{BB962C8B-B14F-4D97-AF65-F5344CB8AC3E}">
-        <p14:creationId xmlns:p14="http://schemas.microsoft.com/office/powerpoint/2010/main" val="129429516"/>
-      </p:ext>
-    </p:extLst>
-  </p:cSld>
-  <p:clrMapOvr>
-    <a:masterClrMapping/>
-  </p:clrMapOvr>
-</p:sld>
-</file>
-
-<file path=ppt/slides/slide7.xml><?xml version="1.0" encoding="utf-8"?>
-<p:sld xmlns:a="http://schemas.openxmlformats.org/drawingml/2006/main" xmlns:r="http://schemas.openxmlformats.org/officeDocument/2006/relationships" xmlns:p="http://schemas.openxmlformats.org/presentationml/2006/main">
-  <p:cSld>
-    <p:spTree>
-      <p:nvGrpSpPr>
-        <p:cNvPr id="1" name="">
-          <a:extLst>
-            <a:ext uri="{FF2B5EF4-FFF2-40B4-BE49-F238E27FC236}">
-              <a16:creationId xmlns:a16="http://schemas.microsoft.com/office/drawing/2014/main" id="{718EA827-F721-F03D-A64C-76504B8CC6C5}"/>
-            </a:ext>
-          </a:extLst>
-        </p:cNvPr>
-        <p:cNvGrpSpPr/>
-        <p:nvPr/>
-      </p:nvGrpSpPr>
-      <p:grpSpPr>
-        <a:xfrm>
-          <a:off x="0" y="0"/>
-          <a:ext cx="0" cy="0"/>
-          <a:chOff x="0" y="0"/>
-          <a:chExt cx="0" cy="0"/>
-        </a:xfrm>
-      </p:grpSpPr>
-      <p:sp>
-        <p:nvSpPr>
-          <p:cNvPr id="7171" name="2 Marcador de contenido">
-            <a:extLst>
-              <a:ext uri="{FF2B5EF4-FFF2-40B4-BE49-F238E27FC236}">
-                <a16:creationId xmlns:a16="http://schemas.microsoft.com/office/drawing/2014/main" id="{26782EB6-DB9E-9277-6157-C4C938753050}"/>
-              </a:ext>
-            </a:extLst>
-          </p:cNvPr>
-          <p:cNvSpPr>
-            <a:spLocks noGrp="1"/>
-          </p:cNvSpPr>
-          <p:nvPr>
-            <p:ph sz="half" idx="1"/>
-          </p:nvPr>
-        </p:nvSpPr>
-        <p:spPr>
-          <a:xfrm>
-            <a:off x="214312" y="1700808"/>
-            <a:ext cx="8750175" cy="4871442"/>
-          </a:xfrm>
-          <a:ln w="31750">
-            <a:solidFill>
-              <a:schemeClr val="accent1"/>
-            </a:solidFill>
-            <a:miter lim="800000"/>
-            <a:headEnd/>
-            <a:tailEnd/>
-          </a:ln>
-        </p:spPr>
-        <p:txBody>
-          <a:bodyPr/>
-          <a:lstStyle/>
-          <a:p>
-            <a:pPr marL="85725" indent="0" algn="ctr">
-              <a:buFont typeface="Arial" panose="020B0604020202020204" pitchFamily="34" charset="0"/>
-              <a:buNone/>
-            </a:pPr>
-            <a:r>
-              <a:rPr lang="es-VE" altLang="en-US" sz="1800" b="1"/>
-              <a:t>Objetivos</a:t>
-            </a:r>
-          </a:p>
-          <a:p>
-            <a:pPr marL="85725" indent="0">
-              <a:buFont typeface="Arial" panose="020B0604020202020204" pitchFamily="34" charset="0"/>
-              <a:buNone/>
-            </a:pPr>
-            <a:r>
-              <a:rPr lang="es-MX" altLang="en-US" sz="1800" b="1"/>
-              <a:t>Calidad</a:t>
-            </a:r>
-          </a:p>
-          <a:p>
-            <a:pPr marL="0" indent="0">
-              <a:buNone/>
-            </a:pPr>
-            <a:r>
-              <a:rPr lang="es-MX" sz="1800"/>
-              <a:t>  Especificaciones / Restricciones técnicas:</a:t>
-            </a:r>
-          </a:p>
-          <a:p>
-            <a:pPr lvl="1"/>
-            <a:r>
-              <a:rPr lang="es-MX" sz="1700"/>
-              <a:t>Todas las actividades deben ser inclusivas y accesibles para la totalidad de estudiantes.</a:t>
-            </a:r>
-          </a:p>
-          <a:p>
-            <a:pPr lvl="1"/>
-            <a:r>
-              <a:rPr lang="es-MX" sz="1700"/>
-              <a:t>Diseño de dinámicas con objetivos claros y medibles.</a:t>
-            </a:r>
-          </a:p>
-          <a:p>
-            <a:pPr lvl="1"/>
-            <a:r>
-              <a:rPr lang="es-MX" sz="1700"/>
-              <a:t>Uso de materiales adecuados, seguros y de bajo costo que no representen riesgos.</a:t>
-            </a:r>
-          </a:p>
-          <a:p>
-            <a:pPr lvl="1"/>
-            <a:r>
-              <a:rPr lang="es-MX" sz="1700"/>
-              <a:t>Supervisión de las actividades por parte de un facilitador o docente responsable.</a:t>
-            </a:r>
-          </a:p>
-          <a:p>
-            <a:pPr lvl="1"/>
-            <a:r>
-              <a:rPr lang="es-MX" sz="1700"/>
-              <a:t>Cumplimiento de un cronograma previamente establecido para garantizar la continuidad.</a:t>
-            </a:r>
-          </a:p>
-          <a:p>
-            <a:pPr lvl="1"/>
-            <a:r>
-              <a:rPr lang="es-MX" sz="1700"/>
-              <a:t>Retroalimentación constante de los participantes para mejorar las actividades en cada sesión.</a:t>
-            </a:r>
-          </a:p>
-          <a:p>
-            <a:pPr lvl="1"/>
-            <a:r>
-              <a:rPr lang="es-MX" sz="1700"/>
-              <a:t>Registro de la participación y resultados obtenidos como evidencia para futuras mejoras.</a:t>
-            </a:r>
-          </a:p>
-          <a:p>
-            <a:pPr lvl="1"/>
-            <a:r>
-              <a:rPr lang="es-MX" sz="1700"/>
-              <a:t>Garantía de un ambiente de respeto, confianza y colaboración durante todas las dinámicas.</a:t>
-            </a:r>
-          </a:p>
-          <a:p>
-            <a:pPr lvl="1"/>
-            <a:r>
-              <a:rPr lang="es-MX" sz="1700"/>
-              <a:t>Evaluación del impacto mediante indicadores (</a:t>
-            </a:r>
-            <a:r>
-              <a:rPr lang="es-MX" sz="1700" err="1"/>
-              <a:t>KPIs</a:t>
-            </a:r>
-            <a:r>
-              <a:rPr lang="es-MX" sz="1700"/>
-              <a:t>).</a:t>
-            </a:r>
-          </a:p>
-          <a:p>
-            <a:pPr marL="85725" indent="0">
-              <a:buNone/>
-            </a:pPr>
-            <a:endParaRPr lang="es-MX" altLang="en-US" sz="1800"/>
-          </a:p>
-          <a:p>
-            <a:pPr marL="85725" indent="0">
-              <a:buFont typeface="Arial" panose="020B0604020202020204" pitchFamily="34" charset="0"/>
-              <a:buNone/>
-            </a:pPr>
-            <a:endParaRPr lang="es-MX" altLang="en-US" sz="1800"/>
-          </a:p>
-          <a:p>
-            <a:pPr marL="371475" indent="-285750"/>
-            <a:endParaRPr lang="es-MX" altLang="en-US" sz="1800"/>
-          </a:p>
-          <a:p>
-            <a:pPr marL="85725" indent="0">
-              <a:buFont typeface="Arial" panose="020B0604020202020204" pitchFamily="34" charset="0"/>
-              <a:buNone/>
-            </a:pPr>
-            <a:endParaRPr lang="es-VE" altLang="en-US" sz="1800"/>
-          </a:p>
-        </p:txBody>
-      </p:sp>
-      <p:sp>
-        <p:nvSpPr>
-          <p:cNvPr id="18" name="1 Título">
-            <a:extLst>
-              <a:ext uri="{FF2B5EF4-FFF2-40B4-BE49-F238E27FC236}">
-                <a16:creationId xmlns:a16="http://schemas.microsoft.com/office/drawing/2014/main" id="{709EA251-5C8D-B322-7433-FEB5E95EBDF4}"/>
-              </a:ext>
-            </a:extLst>
-          </p:cNvPr>
-          <p:cNvSpPr txBox="1">
-            <a:spLocks/>
-          </p:cNvSpPr>
-          <p:nvPr/>
-        </p:nvSpPr>
-        <p:spPr>
-          <a:xfrm>
-            <a:off x="685800" y="1214438"/>
-            <a:ext cx="7772400" cy="357187"/>
-          </a:xfrm>
-          <a:prstGeom prst="rect">
-            <a:avLst/>
-          </a:prstGeom>
-        </p:spPr>
-        <p:txBody>
-          <a:bodyPr anchor="ctr">
-            <a:normAutofit fontScale="92500" lnSpcReduction="10000"/>
-          </a:bodyPr>
-          <a:lstStyle/>
-          <a:p>
-            <a:pPr algn="ctr" fontAlgn="auto">
-              <a:spcAft>
-                <a:spcPts val="0"/>
-              </a:spcAft>
-              <a:defRPr/>
-            </a:pPr>
-            <a:r>
-              <a:rPr lang="es-VE" sz="2000" b="1">
-                <a:latin typeface="+mj-lt"/>
-                <a:ea typeface="+mj-ea"/>
-                <a:cs typeface="+mj-cs"/>
-              </a:rPr>
-              <a:t>[Integración Escolar]</a:t>
-            </a:r>
-          </a:p>
-        </p:txBody>
-      </p:sp>
-    </p:spTree>
-    <p:extLst>
-      <p:ext uri="{BB962C8B-B14F-4D97-AF65-F5344CB8AC3E}">
-        <p14:creationId xmlns:p14="http://schemas.microsoft.com/office/powerpoint/2010/main" val="3464144824"/>
-      </p:ext>
-    </p:extLst>
-  </p:cSld>
-  <p:clrMapOvr>
-    <a:masterClrMapping/>
-  </p:clrMapOvr>
-</p:sld>
-</file>
-
-<file path=ppt/slides/slide8.xml><?xml version="1.0" encoding="utf-8"?>
-<p:sld xmlns:a="http://schemas.openxmlformats.org/drawingml/2006/main" xmlns:r="http://schemas.openxmlformats.org/officeDocument/2006/relationships" xmlns:p="http://schemas.openxmlformats.org/presentationml/2006/main">
-  <p:cSld>
-    <p:spTree>
-      <p:nvGrpSpPr>
-        <p:cNvPr id="1" name="">
-          <a:extLst>
-            <a:ext uri="{FF2B5EF4-FFF2-40B4-BE49-F238E27FC236}">
-              <a16:creationId xmlns:a16="http://schemas.microsoft.com/office/drawing/2014/main" id="{F6B1DD3F-B162-B8C6-9FDD-DD3563BB9FCE}"/>
-            </a:ext>
-          </a:extLst>
-        </p:cNvPr>
-        <p:cNvGrpSpPr/>
-        <p:nvPr/>
-      </p:nvGrpSpPr>
-      <p:grpSpPr>
-        <a:xfrm>
-          <a:off x="0" y="0"/>
-          <a:ext cx="0" cy="0"/>
-          <a:chOff x="0" y="0"/>
-          <a:chExt cx="0" cy="0"/>
-        </a:xfrm>
-      </p:grpSpPr>
-      <p:sp>
-        <p:nvSpPr>
-          <p:cNvPr id="15" name="2 Marcador de contenido">
-            <a:extLst>
-              <a:ext uri="{FF2B5EF4-FFF2-40B4-BE49-F238E27FC236}">
-                <a16:creationId xmlns:a16="http://schemas.microsoft.com/office/drawing/2014/main" id="{86E794D2-6180-712F-0318-9EE74F5C2D59}"/>
-              </a:ext>
-            </a:extLst>
-          </p:cNvPr>
-          <p:cNvSpPr>
-            <a:spLocks noGrp="1"/>
-          </p:cNvSpPr>
-          <p:nvPr>
-            <p:ph sz="half" idx="1"/>
-          </p:nvPr>
-        </p:nvSpPr>
-        <p:spPr>
-          <a:xfrm>
-            <a:off x="251520" y="1636713"/>
-            <a:ext cx="8649593" cy="4960639"/>
-          </a:xfrm>
-          <a:ln w="31750">
-            <a:solidFill>
-              <a:schemeClr val="accent1"/>
-            </a:solidFill>
-          </a:ln>
-        </p:spPr>
-        <p:txBody>
-          <a:bodyPr rtlCol="0">
-            <a:normAutofit/>
-          </a:bodyPr>
-          <a:lstStyle/>
-          <a:p>
-            <a:pPr marL="85725" indent="0" algn="ctr" fontAlgn="auto">
-              <a:spcAft>
-                <a:spcPts val="0"/>
-              </a:spcAft>
-              <a:buFont typeface="Arial" panose="020B0604020202020204" pitchFamily="34" charset="0"/>
-              <a:buNone/>
-              <a:defRPr/>
-            </a:pPr>
-            <a:r>
-              <a:rPr lang="es-VE" sz="1800" b="1"/>
-              <a:t>Riesgos Generales</a:t>
-            </a:r>
-          </a:p>
-          <a:p>
-            <a:pPr marL="85725" indent="0" algn="ctr" fontAlgn="auto">
-              <a:spcAft>
-                <a:spcPts val="0"/>
-              </a:spcAft>
-              <a:buFont typeface="Arial" panose="020B0604020202020204" pitchFamily="34" charset="0"/>
-              <a:buNone/>
-              <a:defRPr/>
-            </a:pPr>
-            <a:endParaRPr lang="es-VE" sz="1800" b="1"/>
-          </a:p>
-          <a:p>
-            <a:pPr marL="428625" fontAlgn="auto">
-              <a:spcAft>
-                <a:spcPts val="0"/>
-              </a:spcAft>
-              <a:buFont typeface="+mj-lt"/>
-              <a:buAutoNum type="arabicPeriod"/>
-              <a:defRPr/>
-            </a:pPr>
-            <a:r>
-              <a:rPr lang="es-VE" sz="1800"/>
-              <a:t>Baja participación estudiantil en la dinámica.</a:t>
-            </a:r>
-          </a:p>
-          <a:p>
-            <a:pPr marL="428625" fontAlgn="auto">
-              <a:spcAft>
-                <a:spcPts val="0"/>
-              </a:spcAft>
-              <a:buFont typeface="+mj-lt"/>
-              <a:buAutoNum type="arabicPeriod"/>
-              <a:defRPr/>
-            </a:pPr>
-            <a:r>
-              <a:rPr lang="es-VE" sz="1800"/>
-              <a:t>Desinterés o actitudes poco cooperativas.</a:t>
-            </a:r>
-          </a:p>
-          <a:p>
-            <a:pPr marL="428625" fontAlgn="auto">
-              <a:spcAft>
-                <a:spcPts val="0"/>
-              </a:spcAft>
-              <a:buFont typeface="+mj-lt"/>
-              <a:buAutoNum type="arabicPeriod"/>
-              <a:defRPr/>
-            </a:pPr>
-            <a:r>
-              <a:rPr lang="es-MX" altLang="es-MX" sz="1800"/>
-              <a:t>Dificultades para comprender las instrucciones proporcionadas por el organizador.</a:t>
-            </a:r>
-          </a:p>
-          <a:p>
-            <a:pPr marL="428625" fontAlgn="auto">
-              <a:spcAft>
-                <a:spcPts val="0"/>
-              </a:spcAft>
-              <a:buFont typeface="+mj-lt"/>
-              <a:buAutoNum type="arabicPeriod"/>
-              <a:defRPr/>
-            </a:pPr>
-            <a:r>
-              <a:rPr lang="es-MX" altLang="es-MX" sz="1800"/>
-              <a:t>Instrucciones o actividades poco claras o difíciles de entender.</a:t>
-            </a:r>
-          </a:p>
-          <a:p>
-            <a:pPr marL="428625" fontAlgn="auto">
-              <a:spcAft>
-                <a:spcPts val="0"/>
-              </a:spcAft>
-              <a:buFont typeface="+mj-lt"/>
-              <a:buAutoNum type="arabicPeriod"/>
-              <a:defRPr/>
-            </a:pPr>
-            <a:r>
-              <a:rPr lang="es-MX" altLang="es-MX" sz="1800"/>
-              <a:t>Distracciones o ruido externo que impiden escuchar a los compañeros.</a:t>
-            </a:r>
-            <a:endParaRPr lang="es-VE" sz="1800"/>
-          </a:p>
-        </p:txBody>
-      </p:sp>
-      <p:sp>
-        <p:nvSpPr>
-          <p:cNvPr id="18" name="1 Título">
-            <a:extLst>
-              <a:ext uri="{FF2B5EF4-FFF2-40B4-BE49-F238E27FC236}">
-                <a16:creationId xmlns:a16="http://schemas.microsoft.com/office/drawing/2014/main" id="{3B5B6106-9157-E1D1-288A-87868BF20821}"/>
-              </a:ext>
-            </a:extLst>
-          </p:cNvPr>
-          <p:cNvSpPr txBox="1">
-            <a:spLocks/>
-          </p:cNvSpPr>
-          <p:nvPr/>
-        </p:nvSpPr>
-        <p:spPr>
-          <a:xfrm>
-            <a:off x="685800" y="1214438"/>
-            <a:ext cx="7772400" cy="357187"/>
-          </a:xfrm>
-          <a:prstGeom prst="rect">
-            <a:avLst/>
-          </a:prstGeom>
-        </p:spPr>
-        <p:txBody>
-          <a:bodyPr anchor="ctr">
-            <a:normAutofit fontScale="92500" lnSpcReduction="10000"/>
-          </a:bodyPr>
-          <a:lstStyle/>
-          <a:p>
-            <a:pPr algn="ctr" fontAlgn="auto">
-              <a:spcAft>
-                <a:spcPts val="0"/>
-              </a:spcAft>
-              <a:defRPr/>
-            </a:pPr>
-            <a:r>
-              <a:rPr lang="es-VE" sz="2000" b="1">
-                <a:latin typeface="+mj-lt"/>
-                <a:ea typeface="+mj-ea"/>
-                <a:cs typeface="+mj-cs"/>
-              </a:rPr>
-              <a:t>[Integración Escolar]</a:t>
-            </a:r>
-          </a:p>
-        </p:txBody>
-      </p:sp>
-    </p:spTree>
-    <p:extLst>
-      <p:ext uri="{BB962C8B-B14F-4D97-AF65-F5344CB8AC3E}">
-        <p14:creationId xmlns:p14="http://schemas.microsoft.com/office/powerpoint/2010/main" val="401741411"/>
-      </p:ext>
-    </p:extLst>
-  </p:cSld>
-  <p:clrMapOvr>
-    <a:masterClrMapping/>
-  </p:clrMapOvr>
-</p:sld>
-</file>
-
-<file path=ppt/slides/slide9.xml><?xml version="1.0" encoding="utf-8"?>
-<p:sld xmlns:a="http://schemas.openxmlformats.org/drawingml/2006/main" xmlns:r="http://schemas.openxmlformats.org/officeDocument/2006/relationships" xmlns:p="http://schemas.openxmlformats.org/presentationml/2006/main">
-  <p:cSld>
-    <p:spTree>
-      <p:nvGrpSpPr>
-        <p:cNvPr id="1" name="">
-          <a:extLst>
-            <a:ext uri="{FF2B5EF4-FFF2-40B4-BE49-F238E27FC236}">
-              <a16:creationId xmlns:a16="http://schemas.microsoft.com/office/drawing/2014/main" id="{F9DCE9B6-4261-D1E6-F9B7-87A14D73E30B}"/>
-            </a:ext>
-          </a:extLst>
-        </p:cNvPr>
-        <p:cNvGrpSpPr/>
-        <p:nvPr/>
-      </p:nvGrpSpPr>
-      <p:grpSpPr>
-        <a:xfrm>
-          <a:off x="0" y="0"/>
-          <a:ext cx="0" cy="0"/>
-          <a:chOff x="0" y="0"/>
-          <a:chExt cx="0" cy="0"/>
-        </a:xfrm>
-      </p:grpSpPr>
-      <p:sp>
-        <p:nvSpPr>
-          <p:cNvPr id="17" name="2 Marcador de contenido">
-            <a:extLst>
-              <a:ext uri="{FF2B5EF4-FFF2-40B4-BE49-F238E27FC236}">
-                <a16:creationId xmlns:a16="http://schemas.microsoft.com/office/drawing/2014/main" id="{8DA9E444-B112-DF9C-65A6-6DB19F152817}"/>
-              </a:ext>
-            </a:extLst>
-          </p:cNvPr>
-          <p:cNvSpPr>
-            <a:spLocks noGrp="1"/>
-          </p:cNvSpPr>
-          <p:nvPr>
-            <p:ph sz="half" idx="1"/>
-          </p:nvPr>
-        </p:nvSpPr>
-        <p:spPr>
-          <a:xfrm>
-            <a:off x="323528" y="1571624"/>
-            <a:ext cx="8606160" cy="5025727"/>
-          </a:xfrm>
-          <a:ln w="31750">
-            <a:solidFill>
-              <a:schemeClr val="accent1"/>
-            </a:solidFill>
-          </a:ln>
-        </p:spPr>
-        <p:txBody>
-          <a:bodyPr rtlCol="0">
-            <a:normAutofit/>
-          </a:bodyPr>
-          <a:lstStyle/>
-          <a:p>
-            <a:pPr marL="85725" indent="0" algn="ctr" fontAlgn="auto">
-              <a:spcAft>
-                <a:spcPts val="0"/>
-              </a:spcAft>
-              <a:buFont typeface="Arial" panose="020B0604020202020204" pitchFamily="34" charset="0"/>
-              <a:buNone/>
-              <a:defRPr/>
-            </a:pPr>
-            <a:r>
-              <a:rPr lang="es-VE" sz="1800" b="1"/>
-              <a:t>Interesados Clave</a:t>
-            </a:r>
-          </a:p>
-          <a:p>
-            <a:pPr marL="361950" indent="-276225" fontAlgn="auto">
-              <a:spcAft>
-                <a:spcPts val="0"/>
-              </a:spcAft>
-              <a:defRPr/>
-            </a:pPr>
-            <a:r>
-              <a:rPr lang="es-VE" sz="1800"/>
-              <a:t>Ing. </a:t>
-            </a:r>
-            <a:r>
-              <a:rPr lang="es-VE" sz="1800" err="1"/>
-              <a:t>Hazem</a:t>
-            </a:r>
-            <a:r>
-              <a:rPr lang="es-VE" sz="1800"/>
-              <a:t> Álvarez Rodríguez , Docente a cargo de la materia.</a:t>
-            </a:r>
-          </a:p>
-          <a:p>
-            <a:pPr marL="361950" indent="-276225" fontAlgn="auto">
-              <a:spcAft>
-                <a:spcPts val="0"/>
-              </a:spcAft>
-              <a:defRPr/>
-            </a:pPr>
-            <a:r>
-              <a:rPr lang="es-VE" sz="1800"/>
-              <a:t>Estudiantes de primer semestre , Participantes.</a:t>
-            </a:r>
-          </a:p>
-          <a:p>
-            <a:pPr marL="361950" indent="-276225" fontAlgn="auto">
-              <a:spcAft>
-                <a:spcPts val="0"/>
-              </a:spcAft>
-              <a:defRPr/>
-            </a:pPr>
-            <a:r>
-              <a:rPr lang="es-VE" sz="1800"/>
-              <a:t>[Nombre], [Cargo].</a:t>
-            </a:r>
-          </a:p>
-        </p:txBody>
-      </p:sp>
-      <p:sp>
-        <p:nvSpPr>
-          <p:cNvPr id="18" name="1 Título">
-            <a:extLst>
-              <a:ext uri="{FF2B5EF4-FFF2-40B4-BE49-F238E27FC236}">
-                <a16:creationId xmlns:a16="http://schemas.microsoft.com/office/drawing/2014/main" id="{FFCE1FAF-ECC6-8E91-0FDB-082D1DA0ED34}"/>
-              </a:ext>
-            </a:extLst>
-          </p:cNvPr>
-          <p:cNvSpPr txBox="1">
-            <a:spLocks/>
-          </p:cNvSpPr>
-          <p:nvPr/>
-        </p:nvSpPr>
-        <p:spPr>
-          <a:xfrm>
-            <a:off x="685800" y="1214438"/>
-            <a:ext cx="7772400" cy="357187"/>
-          </a:xfrm>
-          <a:prstGeom prst="rect">
-            <a:avLst/>
-          </a:prstGeom>
-        </p:spPr>
-        <p:txBody>
-          <a:bodyPr anchor="ctr">
-            <a:normAutofit fontScale="92500" lnSpcReduction="10000"/>
-          </a:bodyPr>
-          <a:lstStyle/>
-          <a:p>
-            <a:pPr algn="ctr" fontAlgn="auto">
-              <a:spcAft>
-                <a:spcPts val="0"/>
-              </a:spcAft>
-              <a:defRPr/>
-            </a:pPr>
-            <a:r>
-              <a:rPr lang="es-VE" sz="2000" b="1">
-                <a:latin typeface="+mj-lt"/>
-                <a:ea typeface="+mj-ea"/>
-                <a:cs typeface="+mj-cs"/>
-              </a:rPr>
-              <a:t>[Integración Escolar]</a:t>
-            </a:r>
-          </a:p>
-        </p:txBody>
-      </p:sp>
-    </p:spTree>
-    <p:extLst>
-      <p:ext uri="{BB962C8B-B14F-4D97-AF65-F5344CB8AC3E}">
-        <p14:creationId xmlns:p14="http://schemas.microsoft.com/office/powerpoint/2010/main" val="243995503"/>
       </p:ext>
     </p:extLst>
   </p:cSld>
@@ -7375,23 +5582,6 @@
 </file>
 
 <file path=customXml/item1.xml><?xml version="1.0" encoding="utf-8"?>
-<?mso-contentType ?>
-<FormTemplates xmlns="http://schemas.microsoft.com/sharepoint/v3/contenttype/forms">
-  <Display>DocumentLibraryForm</Display>
-  <Edit>DocumentLibraryForm</Edit>
-  <New>DocumentLibraryForm</New>
-</FormTemplates>
-</file>
-
-<file path=customXml/item2.xml><?xml version="1.0" encoding="utf-8"?>
-<p:properties xmlns:p="http://schemas.microsoft.com/office/2006/metadata/properties" xmlns:xsi="http://www.w3.org/2001/XMLSchema-instance" xmlns:pc="http://schemas.microsoft.com/office/infopath/2007/PartnerControls">
-  <documentManagement>
-    <_activity xmlns="943299af-12c5-4a94-a2c7-c86c78b36c95" xsi:nil="true"/>
-  </documentManagement>
-</p:properties>
-</file>
-
-<file path=customXml/item3.xml><?xml version="1.0" encoding="utf-8"?>
 <ct:contentTypeSchema xmlns:ct="http://schemas.microsoft.com/office/2006/metadata/contentType" xmlns:ma="http://schemas.microsoft.com/office/2006/metadata/properties/metaAttributes" ct:_="" ma:_="" ma:contentTypeName="Document" ma:contentTypeID="0x010100D47E59C22AA6E640B3BDD78573C6C896" ma:contentTypeVersion="15" ma:contentTypeDescription="Create a new document." ma:contentTypeScope="" ma:versionID="38c88717cfbb0d8501c1cdd4477aa2f1">
   <xsd:schema xmlns:xsd="http://www.w3.org/2001/XMLSchema" xmlns:xs="http://www.w3.org/2001/XMLSchema" xmlns:p="http://schemas.microsoft.com/office/2006/metadata/properties" xmlns:ns3="4ed9d6d6-5ffe-47a9-86e3-4156f6b81eb7" xmlns:ns4="943299af-12c5-4a94-a2c7-c86c78b36c95" targetNamespace="http://schemas.microsoft.com/office/2006/metadata/properties" ma:root="true" ma:fieldsID="819163700db3c75cca96db026112fee2" ns3:_="" ns4:_="">
     <xsd:import namespace="4ed9d6d6-5ffe-47a9-86e3-4156f6b81eb7"/>
@@ -7624,10 +5814,38 @@
 </ct:contentTypeSchema>
 </file>
 
+<file path=customXml/item2.xml><?xml version="1.0" encoding="utf-8"?>
+<p:properties xmlns:p="http://schemas.microsoft.com/office/2006/metadata/properties" xmlns:xsi="http://www.w3.org/2001/XMLSchema-instance" xmlns:pc="http://schemas.microsoft.com/office/infopath/2007/PartnerControls">
+  <documentManagement>
+    <_activity xmlns="943299af-12c5-4a94-a2c7-c86c78b36c95" xsi:nil="true"/>
+  </documentManagement>
+</p:properties>
+</file>
+
+<file path=customXml/item3.xml><?xml version="1.0" encoding="utf-8"?>
+<?mso-contentType ?>
+<FormTemplates xmlns="http://schemas.microsoft.com/sharepoint/v3/contenttype/forms">
+  <Display>DocumentLibraryForm</Display>
+  <Edit>DocumentLibraryForm</Edit>
+  <New>DocumentLibraryForm</New>
+</FormTemplates>
+</file>
+
 <file path=customXml/itemProps1.xml><?xml version="1.0" encoding="utf-8"?>
-<ds:datastoreItem xmlns:ds="http://schemas.openxmlformats.org/officeDocument/2006/customXml" ds:itemID="{1D8F8F11-C4A2-4022-B356-5A1F28EB1B98}">
+<ds:datastoreItem xmlns:ds="http://schemas.openxmlformats.org/officeDocument/2006/customXml" ds:itemID="{0E831742-9380-4F49-9684-084E91C8EC70}">
   <ds:schemaRefs>
-    <ds:schemaRef ds:uri="http://schemas.microsoft.com/sharepoint/v3/contenttype/forms"/>
+    <ds:schemaRef ds:uri="4ed9d6d6-5ffe-47a9-86e3-4156f6b81eb7"/>
+    <ds:schemaRef ds:uri="943299af-12c5-4a94-a2c7-c86c78b36c95"/>
+    <ds:schemaRef ds:uri="http://purl.org/dc/elements/1.1/"/>
+    <ds:schemaRef ds:uri="http://purl.org/dc/terms/"/>
+    <ds:schemaRef ds:uri="http://schemas.microsoft.com/internal/obd"/>
+    <ds:schemaRef ds:uri="http://schemas.microsoft.com/office/2006/documentManagement/types"/>
+    <ds:schemaRef ds:uri="http://schemas.microsoft.com/office/2006/metadata/contentType"/>
+    <ds:schemaRef ds:uri="http://schemas.microsoft.com/office/2006/metadata/properties"/>
+    <ds:schemaRef ds:uri="http://schemas.microsoft.com/office/2006/metadata/properties/metaAttributes"/>
+    <ds:schemaRef ds:uri="http://schemas.microsoft.com/office/infopath/2007/PartnerControls"/>
+    <ds:schemaRef ds:uri="http://schemas.openxmlformats.org/package/2006/metadata/core-properties"/>
+    <ds:schemaRef ds:uri="http://www.w3.org/2001/XMLSchema"/>
   </ds:schemaRefs>
 </ds:datastoreItem>
 </file>
@@ -7650,20 +5868,9 @@
 </file>
 
 <file path=customXml/itemProps3.xml><?xml version="1.0" encoding="utf-8"?>
-<ds:datastoreItem xmlns:ds="http://schemas.openxmlformats.org/officeDocument/2006/customXml" ds:itemID="{0E831742-9380-4F49-9684-084E91C8EC70}">
+<ds:datastoreItem xmlns:ds="http://schemas.openxmlformats.org/officeDocument/2006/customXml" ds:itemID="{1D8F8F11-C4A2-4022-B356-5A1F28EB1B98}">
   <ds:schemaRefs>
-    <ds:schemaRef ds:uri="4ed9d6d6-5ffe-47a9-86e3-4156f6b81eb7"/>
-    <ds:schemaRef ds:uri="943299af-12c5-4a94-a2c7-c86c78b36c95"/>
-    <ds:schemaRef ds:uri="http://purl.org/dc/elements/1.1/"/>
-    <ds:schemaRef ds:uri="http://purl.org/dc/terms/"/>
-    <ds:schemaRef ds:uri="http://schemas.microsoft.com/internal/obd"/>
-    <ds:schemaRef ds:uri="http://schemas.microsoft.com/office/2006/documentManagement/types"/>
-    <ds:schemaRef ds:uri="http://schemas.microsoft.com/office/2006/metadata/contentType"/>
-    <ds:schemaRef ds:uri="http://schemas.microsoft.com/office/2006/metadata/properties"/>
-    <ds:schemaRef ds:uri="http://schemas.microsoft.com/office/2006/metadata/properties/metaAttributes"/>
-    <ds:schemaRef ds:uri="http://schemas.microsoft.com/office/infopath/2007/PartnerControls"/>
-    <ds:schemaRef ds:uri="http://schemas.openxmlformats.org/package/2006/metadata/core-properties"/>
-    <ds:schemaRef ds:uri="http://www.w3.org/2001/XMLSchema"/>
+    <ds:schemaRef ds:uri="http://schemas.microsoft.com/sharepoint/v3/contenttype/forms"/>
   </ds:schemaRefs>
 </ds:datastoreItem>
 </file>